--- a/CATEDRA INTEGRADORA.pptx
+++ b/CATEDRA INTEGRADORA.pptx
@@ -307,7 +307,7 @@
           <a:p>
             <a:fld id="{48A87A34-81AB-432B-8DAE-1953F412C126}" type="datetimeFigureOut">
               <a:rPr lang="en-US" smtClean="0"/>
-              <a:t>2/7/2022</a:t>
+              <a:t>2/9/2022</a:t>
             </a:fld>
             <a:endParaRPr lang="en-US" dirty="0"/>
           </a:p>
@@ -606,7 +606,7 @@
             <a:fld id="{48A87A34-81AB-432B-8DAE-1953F412C126}" type="datetimeFigureOut">
               <a:rPr lang="en-US" smtClean="0"/>
               <a:pPr/>
-              <a:t>2/7/2022</a:t>
+              <a:t>2/9/2022</a:t>
             </a:fld>
             <a:endParaRPr lang="en-US" dirty="0"/>
           </a:p>
@@ -800,7 +800,7 @@
             <a:fld id="{48A87A34-81AB-432B-8DAE-1953F412C126}" type="datetimeFigureOut">
               <a:rPr lang="en-US" smtClean="0"/>
               <a:pPr/>
-              <a:t>2/7/2022</a:t>
+              <a:t>2/9/2022</a:t>
             </a:fld>
             <a:endParaRPr lang="en-US" dirty="0"/>
           </a:p>
@@ -1063,7 +1063,7 @@
             <a:fld id="{48A87A34-81AB-432B-8DAE-1953F412C126}" type="datetimeFigureOut">
               <a:rPr lang="en-US" smtClean="0"/>
               <a:pPr/>
-              <a:t>2/7/2022</a:t>
+              <a:t>2/9/2022</a:t>
             </a:fld>
             <a:endParaRPr lang="en-US" dirty="0"/>
           </a:p>
@@ -1489,7 +1489,7 @@
             <a:fld id="{48A87A34-81AB-432B-8DAE-1953F412C126}" type="datetimeFigureOut">
               <a:rPr lang="en-US" smtClean="0"/>
               <a:pPr/>
-              <a:t>2/7/2022</a:t>
+              <a:t>2/9/2022</a:t>
             </a:fld>
             <a:endParaRPr lang="en-US" dirty="0"/>
           </a:p>
@@ -2028,7 +2028,7 @@
             <a:fld id="{48A87A34-81AB-432B-8DAE-1953F412C126}" type="datetimeFigureOut">
               <a:rPr lang="en-US" smtClean="0"/>
               <a:pPr/>
-              <a:t>2/7/2022</a:t>
+              <a:t>2/9/2022</a:t>
             </a:fld>
             <a:endParaRPr lang="en-US" dirty="0"/>
           </a:p>
@@ -2894,7 +2894,7 @@
             <a:fld id="{48A87A34-81AB-432B-8DAE-1953F412C126}" type="datetimeFigureOut">
               <a:rPr lang="en-US" smtClean="0"/>
               <a:pPr/>
-              <a:t>2/7/2022</a:t>
+              <a:t>2/9/2022</a:t>
             </a:fld>
             <a:endParaRPr lang="en-US" dirty="0"/>
           </a:p>
@@ -3065,7 +3065,7 @@
           <a:p>
             <a:fld id="{48A87A34-81AB-432B-8DAE-1953F412C126}" type="datetimeFigureOut">
               <a:rPr lang="en-US" smtClean="0"/>
-              <a:t>2/7/2022</a:t>
+              <a:t>2/9/2022</a:t>
             </a:fld>
             <a:endParaRPr lang="en-US" dirty="0"/>
           </a:p>
@@ -3249,7 +3249,7 @@
           <a:p>
             <a:fld id="{48A87A34-81AB-432B-8DAE-1953F412C126}" type="datetimeFigureOut">
               <a:rPr lang="en-US" smtClean="0"/>
-              <a:t>2/7/2022</a:t>
+              <a:t>2/9/2022</a:t>
             </a:fld>
             <a:endParaRPr lang="en-US" dirty="0"/>
           </a:p>
@@ -3419,7 +3419,7 @@
           <a:p>
             <a:fld id="{48A87A34-81AB-432B-8DAE-1953F412C126}" type="datetimeFigureOut">
               <a:rPr lang="en-US" smtClean="0"/>
-              <a:t>2/7/2022</a:t>
+              <a:t>2/9/2022</a:t>
             </a:fld>
             <a:endParaRPr lang="en-US" dirty="0"/>
           </a:p>
@@ -3663,7 +3663,7 @@
           <a:p>
             <a:fld id="{48A87A34-81AB-432B-8DAE-1953F412C126}" type="datetimeFigureOut">
               <a:rPr lang="en-US" smtClean="0"/>
-              <a:t>2/7/2022</a:t>
+              <a:t>2/9/2022</a:t>
             </a:fld>
             <a:endParaRPr lang="en-US" dirty="0"/>
           </a:p>
@@ -3899,7 +3899,7 @@
           <a:p>
             <a:fld id="{48A87A34-81AB-432B-8DAE-1953F412C126}" type="datetimeFigureOut">
               <a:rPr lang="en-US" smtClean="0"/>
-              <a:t>2/7/2022</a:t>
+              <a:t>2/9/2022</a:t>
             </a:fld>
             <a:endParaRPr lang="en-US" dirty="0"/>
           </a:p>
@@ -4365,7 +4365,7 @@
           <a:p>
             <a:fld id="{48A87A34-81AB-432B-8DAE-1953F412C126}" type="datetimeFigureOut">
               <a:rPr lang="en-US" smtClean="0"/>
-              <a:t>2/7/2022</a:t>
+              <a:t>2/9/2022</a:t>
             </a:fld>
             <a:endParaRPr lang="en-US" dirty="0"/>
           </a:p>
@@ -4483,7 +4483,7 @@
           <a:p>
             <a:fld id="{48A87A34-81AB-432B-8DAE-1953F412C126}" type="datetimeFigureOut">
               <a:rPr lang="en-US" smtClean="0"/>
-              <a:t>2/7/2022</a:t>
+              <a:t>2/9/2022</a:t>
             </a:fld>
             <a:endParaRPr lang="en-US" dirty="0"/>
           </a:p>
@@ -4578,7 +4578,7 @@
           <a:p>
             <a:fld id="{48A87A34-81AB-432B-8DAE-1953F412C126}" type="datetimeFigureOut">
               <a:rPr lang="en-US" smtClean="0"/>
-              <a:t>2/7/2022</a:t>
+              <a:t>2/9/2022</a:t>
             </a:fld>
             <a:endParaRPr lang="en-US" dirty="0"/>
           </a:p>
@@ -4833,7 +4833,7 @@
           <a:p>
             <a:fld id="{48A87A34-81AB-432B-8DAE-1953F412C126}" type="datetimeFigureOut">
               <a:rPr lang="en-US" smtClean="0"/>
-              <a:t>2/7/2022</a:t>
+              <a:t>2/9/2022</a:t>
             </a:fld>
             <a:endParaRPr lang="en-US" dirty="0"/>
           </a:p>
@@ -5133,7 +5133,7 @@
           <a:p>
             <a:fld id="{48A87A34-81AB-432B-8DAE-1953F412C126}" type="datetimeFigureOut">
               <a:rPr lang="en-US" smtClean="0"/>
-              <a:t>2/7/2022</a:t>
+              <a:t>2/9/2022</a:t>
             </a:fld>
             <a:endParaRPr lang="en-US" dirty="0"/>
           </a:p>
@@ -5368,7 +5368,7 @@
             <a:fld id="{48A87A34-81AB-432B-8DAE-1953F412C126}" type="datetimeFigureOut">
               <a:rPr lang="en-US" smtClean="0"/>
               <a:pPr/>
-              <a:t>2/7/2022</a:t>
+              <a:t>2/9/2022</a:t>
             </a:fld>
             <a:endParaRPr lang="en-US" dirty="0"/>
           </a:p>
@@ -6442,21 +6442,22 @@
       </p:sp>
       <p:pic>
         <p:nvPicPr>
-          <p:cNvPr id="4" name="Imagen 3"/>
+          <p:cNvPr id="6" name="Imagen 5"/>
           <p:cNvPicPr>
             <a:picLocks noChangeAspect="1"/>
           </p:cNvPicPr>
           <p:nvPr/>
         </p:nvPicPr>
-        <p:blipFill rotWithShape="1">
+        <p:blipFill>
           <a:blip r:embed="rId2"/>
-          <a:srcRect r="30512" b="4436"/>
-          <a:stretch/>
+          <a:stretch>
+            <a:fillRect/>
+          </a:stretch>
         </p:blipFill>
         <p:spPr>
           <a:xfrm>
-            <a:off x="391110" y="2957584"/>
-            <a:ext cx="11669709" cy="293363"/>
+            <a:off x="1446590" y="2640667"/>
+            <a:ext cx="9288171" cy="362001"/>
           </a:xfrm>
           <a:prstGeom prst="rect">
             <a:avLst/>
@@ -6465,7 +6466,7 @@
       </p:pic>
       <p:pic>
         <p:nvPicPr>
-          <p:cNvPr id="5" name="Imagen 4"/>
+          <p:cNvPr id="7" name="Imagen 6"/>
           <p:cNvPicPr>
             <a:picLocks noChangeAspect="1"/>
           </p:cNvPicPr>
@@ -6479,8 +6480,8 @@
         </p:blipFill>
         <p:spPr>
           <a:xfrm>
-            <a:off x="1806545" y="3993837"/>
-            <a:ext cx="8215806" cy="473989"/>
+            <a:off x="280426" y="3814848"/>
+            <a:ext cx="11620500" cy="357978"/>
           </a:xfrm>
           <a:prstGeom prst="rect">
             <a:avLst/>
@@ -6553,7 +6554,7 @@
       </p:sp>
       <p:pic>
         <p:nvPicPr>
-          <p:cNvPr id="4" name="Imagen 3"/>
+          <p:cNvPr id="3" name="Imagen 2"/>
           <p:cNvPicPr>
             <a:picLocks noChangeAspect="1"/>
           </p:cNvPicPr>
@@ -6567,8 +6568,8 @@
         </p:blipFill>
         <p:spPr>
           <a:xfrm>
-            <a:off x="3119296" y="2924055"/>
-            <a:ext cx="6318149" cy="1161808"/>
+            <a:off x="1251300" y="2884961"/>
+            <a:ext cx="9678751" cy="2152950"/>
           </a:xfrm>
           <a:prstGeom prst="rect">
             <a:avLst/>
